--- a/PPT, Document/2011180047_정택수_2차발표(업로드용).pptx
+++ b/PPT, Document/2011180047_정택수_2차발표(업로드용).pptx
@@ -18,13 +18,13 @@
   <p:notesSz cx="6858000" cy="9144000"/>
   <p:embeddedFontLst>
     <p:embeddedFont>
-      <p:font typeface="아리따-돋움(TTF)-Bold" pitchFamily="18" charset="-127"/>
+      <p:font typeface="맑은 고딕" pitchFamily="50" charset="-127"/>
       <p:regular r:id="rId10"/>
+      <p:bold r:id="rId11"/>
     </p:embeddedFont>
     <p:embeddedFont>
-      <p:font typeface="맑은 고딕" pitchFamily="50" charset="-127"/>
-      <p:regular r:id="rId11"/>
-      <p:bold r:id="rId12"/>
+      <p:font typeface="아리따-돋움(TTF)-Bold" pitchFamily="18" charset="-127"/>
+      <p:regular r:id="rId12"/>
     </p:embeddedFont>
   </p:embeddedFontLst>
   <p:defaultTextStyle>
@@ -307,7 +307,7 @@
             <a:fld id="{457DFC9E-A64F-4549-81E1-C56CCEA29CD1}" type="datetimeFigureOut">
               <a:rPr lang="ko-KR" altLang="en-US" smtClean="0"/>
               <a:pPr/>
-              <a:t>2015-10-22</a:t>
+              <a:t>2015-10-23</a:t>
             </a:fld>
             <a:endParaRPr lang="ko-KR" altLang="en-US"/>
           </a:p>
@@ -474,7 +474,7 @@
             <a:fld id="{457DFC9E-A64F-4549-81E1-C56CCEA29CD1}" type="datetimeFigureOut">
               <a:rPr lang="ko-KR" altLang="en-US" smtClean="0"/>
               <a:pPr/>
-              <a:t>2015-10-22</a:t>
+              <a:t>2015-10-23</a:t>
             </a:fld>
             <a:endParaRPr lang="ko-KR" altLang="en-US"/>
           </a:p>
@@ -651,7 +651,7 @@
             <a:fld id="{457DFC9E-A64F-4549-81E1-C56CCEA29CD1}" type="datetimeFigureOut">
               <a:rPr lang="ko-KR" altLang="en-US" smtClean="0"/>
               <a:pPr/>
-              <a:t>2015-10-22</a:t>
+              <a:t>2015-10-23</a:t>
             </a:fld>
             <a:endParaRPr lang="ko-KR" altLang="en-US"/>
           </a:p>
@@ -818,7 +818,7 @@
             <a:fld id="{457DFC9E-A64F-4549-81E1-C56CCEA29CD1}" type="datetimeFigureOut">
               <a:rPr lang="ko-KR" altLang="en-US" smtClean="0"/>
               <a:pPr/>
-              <a:t>2015-10-22</a:t>
+              <a:t>2015-10-23</a:t>
             </a:fld>
             <a:endParaRPr lang="ko-KR" altLang="en-US"/>
           </a:p>
@@ -1061,7 +1061,7 @@
             <a:fld id="{457DFC9E-A64F-4549-81E1-C56CCEA29CD1}" type="datetimeFigureOut">
               <a:rPr lang="ko-KR" altLang="en-US" smtClean="0"/>
               <a:pPr/>
-              <a:t>2015-10-22</a:t>
+              <a:t>2015-10-23</a:t>
             </a:fld>
             <a:endParaRPr lang="ko-KR" altLang="en-US"/>
           </a:p>
@@ -1346,7 +1346,7 @@
             <a:fld id="{457DFC9E-A64F-4549-81E1-C56CCEA29CD1}" type="datetimeFigureOut">
               <a:rPr lang="ko-KR" altLang="en-US" smtClean="0"/>
               <a:pPr/>
-              <a:t>2015-10-22</a:t>
+              <a:t>2015-10-23</a:t>
             </a:fld>
             <a:endParaRPr lang="ko-KR" altLang="en-US"/>
           </a:p>
@@ -1765,7 +1765,7 @@
             <a:fld id="{457DFC9E-A64F-4549-81E1-C56CCEA29CD1}" type="datetimeFigureOut">
               <a:rPr lang="ko-KR" altLang="en-US" smtClean="0"/>
               <a:pPr/>
-              <a:t>2015-10-22</a:t>
+              <a:t>2015-10-23</a:t>
             </a:fld>
             <a:endParaRPr lang="ko-KR" altLang="en-US"/>
           </a:p>
@@ -1880,7 +1880,7 @@
             <a:fld id="{457DFC9E-A64F-4549-81E1-C56CCEA29CD1}" type="datetimeFigureOut">
               <a:rPr lang="ko-KR" altLang="en-US" smtClean="0"/>
               <a:pPr/>
-              <a:t>2015-10-22</a:t>
+              <a:t>2015-10-23</a:t>
             </a:fld>
             <a:endParaRPr lang="ko-KR" altLang="en-US"/>
           </a:p>
@@ -1972,7 +1972,7 @@
             <a:fld id="{457DFC9E-A64F-4549-81E1-C56CCEA29CD1}" type="datetimeFigureOut">
               <a:rPr lang="ko-KR" altLang="en-US" smtClean="0"/>
               <a:pPr/>
-              <a:t>2015-10-22</a:t>
+              <a:t>2015-10-23</a:t>
             </a:fld>
             <a:endParaRPr lang="ko-KR" altLang="en-US"/>
           </a:p>
@@ -2246,7 +2246,7 @@
             <a:fld id="{457DFC9E-A64F-4549-81E1-C56CCEA29CD1}" type="datetimeFigureOut">
               <a:rPr lang="ko-KR" altLang="en-US" smtClean="0"/>
               <a:pPr/>
-              <a:t>2015-10-22</a:t>
+              <a:t>2015-10-23</a:t>
             </a:fld>
             <a:endParaRPr lang="ko-KR" altLang="en-US"/>
           </a:p>
@@ -2496,7 +2496,7 @@
             <a:fld id="{457DFC9E-A64F-4549-81E1-C56CCEA29CD1}" type="datetimeFigureOut">
               <a:rPr lang="ko-KR" altLang="en-US" smtClean="0"/>
               <a:pPr/>
-              <a:t>2015-10-22</a:t>
+              <a:t>2015-10-23</a:t>
             </a:fld>
             <a:endParaRPr lang="ko-KR" altLang="en-US"/>
           </a:p>
@@ -2706,7 +2706,7 @@
             <a:fld id="{457DFC9E-A64F-4549-81E1-C56CCEA29CD1}" type="datetimeFigureOut">
               <a:rPr lang="ko-KR" altLang="en-US" smtClean="0"/>
               <a:pPr/>
-              <a:t>2015-10-22</a:t>
+              <a:t>2015-10-23</a:t>
             </a:fld>
             <a:endParaRPr lang="ko-KR" altLang="en-US"/>
           </a:p>
@@ -3354,20 +3354,7 @@
                   <a:latin typeface="아리따-돋움(TTF)-Bold" pitchFamily="18" charset="-127"/>
                   <a:ea typeface="아리따-돋움(TTF)-Bold" pitchFamily="18" charset="-127"/>
                 </a:rPr>
-                <a:t>차 </a:t>
-              </a:r>
-              <a:r>
-                <a:rPr lang="ko-KR" altLang="en-US" sz="4000" spc="-50" dirty="0" smtClean="0">
-                  <a:solidFill>
-                    <a:schemeClr val="bg1">
-                      <a:lumMod val="65000"/>
-                      <a:alpha val="99000"/>
-                    </a:schemeClr>
-                  </a:solidFill>
-                  <a:latin typeface="아리따-돋움(TTF)-Bold" pitchFamily="18" charset="-127"/>
-                  <a:ea typeface="아리따-돋움(TTF)-Bold" pitchFamily="18" charset="-127"/>
-                </a:rPr>
-                <a:t>발표</a:t>
+                <a:t>차 발표</a:t>
               </a:r>
             </a:p>
           </p:txBody>
@@ -3751,20 +3738,7 @@
                 <a:latin typeface="아리따-돋움(TTF)-Bold" pitchFamily="18" charset="-127"/>
                 <a:ea typeface="아리따-돋움(TTF)-Bold" pitchFamily="18" charset="-127"/>
               </a:rPr>
-              <a:t>Chapter4 – </a:t>
-            </a:r>
-            <a:r>
-              <a:rPr lang="en-US" altLang="ko-KR" sz="2200" spc="-180" dirty="0" smtClean="0">
-                <a:solidFill>
-                  <a:schemeClr val="bg1">
-                    <a:lumMod val="65000"/>
-                    <a:alpha val="98000"/>
-                  </a:schemeClr>
-                </a:solidFill>
-                <a:latin typeface="아리따-돋움(TTF)-Bold" pitchFamily="18" charset="-127"/>
-                <a:ea typeface="아리따-돋움(TTF)-Bold" pitchFamily="18" charset="-127"/>
-              </a:rPr>
-              <a:t> </a:t>
+              <a:t>Chapter4 –  </a:t>
             </a:r>
             <a:r>
               <a:rPr lang="en-US" altLang="ko-KR" sz="2200" spc="-180" dirty="0" err="1" smtClean="0">
@@ -3838,33 +3812,7 @@
                 <a:latin typeface="아리따-돋움(TTF)-Bold" pitchFamily="18" charset="-127"/>
                 <a:ea typeface="아리따-돋움(TTF)-Bold" pitchFamily="18" charset="-127"/>
               </a:rPr>
-              <a:t>Chapter5 </a:t>
-            </a:r>
-            <a:r>
-              <a:rPr lang="en-US" altLang="ko-KR" sz="2200" spc="-180" dirty="0" smtClean="0">
-                <a:solidFill>
-                  <a:schemeClr val="bg1">
-                    <a:lumMod val="65000"/>
-                    <a:alpha val="98000"/>
-                  </a:schemeClr>
-                </a:solidFill>
-                <a:latin typeface="아리따-돋움(TTF)-Bold" pitchFamily="18" charset="-127"/>
-                <a:ea typeface="아리따-돋움(TTF)-Bold" pitchFamily="18" charset="-127"/>
-              </a:rPr>
-              <a:t>– </a:t>
-            </a:r>
-            <a:r>
-              <a:rPr lang="en-US" altLang="ko-KR" sz="2200" spc="-180" dirty="0" smtClean="0">
-                <a:solidFill>
-                  <a:schemeClr val="bg1">
-                    <a:lumMod val="65000"/>
-                    <a:alpha val="98000"/>
-                  </a:schemeClr>
-                </a:solidFill>
-                <a:latin typeface="아리따-돋움(TTF)-Bold" pitchFamily="18" charset="-127"/>
-                <a:ea typeface="아리따-돋움(TTF)-Bold" pitchFamily="18" charset="-127"/>
-              </a:rPr>
-              <a:t> </a:t>
+              <a:t>Chapter5 –  </a:t>
             </a:r>
             <a:r>
               <a:rPr lang="ko-KR" altLang="en-US" sz="2200" spc="-180" dirty="0" smtClean="0">
@@ -5350,19 +5298,7 @@
                 <a:latin typeface="아리따-돋움(TTF)-Bold" pitchFamily="18" charset="-127"/>
                 <a:ea typeface="아리따-돋움(TTF)-Bold" pitchFamily="18" charset="-127"/>
               </a:rPr>
-              <a:t>Chapter3 </a:t>
-            </a:r>
-            <a:r>
-              <a:rPr lang="en-US" altLang="ko-KR" sz="4000" spc="-450" dirty="0" smtClean="0">
-                <a:solidFill>
-                  <a:srgbClr val="749BCA">
-                    <a:alpha val="98824"/>
-                  </a:srgbClr>
-                </a:solidFill>
-                <a:latin typeface="아리따-돋움(TTF)-Bold" pitchFamily="18" charset="-127"/>
-                <a:ea typeface="아리따-돋움(TTF)-Bold" pitchFamily="18" charset="-127"/>
-              </a:rPr>
-              <a:t>– </a:t>
+              <a:t>Chapter3 – </a:t>
             </a:r>
             <a:r>
               <a:rPr lang="ko-KR" altLang="en-US" sz="4000" spc="-450" dirty="0" smtClean="0">
@@ -7771,19 +7707,7 @@
                 <a:latin typeface="아리따-돋움(TTF)-Bold" pitchFamily="18" charset="-127"/>
                 <a:ea typeface="아리따-돋움(TTF)-Bold" pitchFamily="18" charset="-127"/>
               </a:rPr>
-              <a:t>Chapter4 </a:t>
-            </a:r>
-            <a:r>
-              <a:rPr lang="en-US" altLang="ko-KR" sz="4000" spc="-450" dirty="0" smtClean="0">
-                <a:solidFill>
-                  <a:srgbClr val="ADADAD">
-                    <a:alpha val="97000"/>
-                  </a:srgbClr>
-                </a:solidFill>
-                <a:latin typeface="아리따-돋움(TTF)-Bold" pitchFamily="18" charset="-127"/>
-                <a:ea typeface="아리따-돋움(TTF)-Bold" pitchFamily="18" charset="-127"/>
-              </a:rPr>
-              <a:t>– </a:t>
+              <a:t>Chapter4 – </a:t>
             </a:r>
             <a:r>
               <a:rPr lang="en-US" altLang="ko-KR" sz="4000" spc="-450" dirty="0" err="1" smtClean="0">
@@ -7823,7 +7747,7 @@
       </p:sp>
       <p:pic>
         <p:nvPicPr>
-          <p:cNvPr id="3" name="그림 2"/>
+          <p:cNvPr id="2" name="그림 1"/>
           <p:cNvPicPr>
             <a:picLocks noChangeAspect="1"/>
           </p:cNvPicPr>
@@ -7843,8 +7767,8 @@
         </p:blipFill>
         <p:spPr>
           <a:xfrm>
-            <a:off x="1115616" y="576269"/>
-            <a:ext cx="7086872" cy="4567231"/>
+            <a:off x="1187624" y="707886"/>
+            <a:ext cx="6769840" cy="4435613"/>
           </a:xfrm>
           <a:prstGeom prst="rect">
             <a:avLst/>
@@ -8014,11 +7938,7 @@
                       </a:r>
                       <a:r>
                         <a:rPr lang="en-US" altLang="ko-KR" sz="1400" dirty="0" smtClean="0"/>
-                        <a:t>, B</a:t>
-                      </a:r>
-                      <a:r>
-                        <a:rPr lang="en-US" altLang="ko-KR" sz="1400" dirty="0" smtClean="0"/>
-                        <a:t>:</a:t>
+                        <a:t>, B:</a:t>
                       </a:r>
                       <a:r>
                         <a:rPr lang="ko-KR" altLang="en-US" sz="1400" dirty="0" smtClean="0"/>
@@ -8026,11 +7946,7 @@
                       </a:r>
                       <a:r>
                         <a:rPr lang="en-US" altLang="ko-KR" sz="1400" dirty="0" smtClean="0"/>
-                        <a:t>, C</a:t>
-                      </a:r>
-                      <a:r>
-                        <a:rPr lang="en-US" altLang="ko-KR" sz="1400" dirty="0" smtClean="0"/>
-                        <a:t>:</a:t>
+                        <a:t>, C:</a:t>
                       </a:r>
                       <a:r>
                         <a:rPr lang="ko-KR" altLang="en-US" sz="1400" dirty="0" smtClean="0"/>
@@ -8038,11 +7954,7 @@
                       </a:r>
                       <a:r>
                         <a:rPr lang="en-US" altLang="ko-KR" sz="1400" dirty="0" smtClean="0"/>
-                        <a:t>, D</a:t>
-                      </a:r>
-                      <a:r>
-                        <a:rPr lang="en-US" altLang="ko-KR" sz="1400" dirty="0" smtClean="0"/>
-                        <a:t>:</a:t>
+                        <a:t>, D:</a:t>
                       </a:r>
                       <a:r>
                         <a:rPr lang="ko-KR" altLang="en-US" sz="1400" dirty="0" smtClean="0"/>
@@ -8050,11 +7962,7 @@
                       </a:r>
                       <a:r>
                         <a:rPr lang="en-US" altLang="ko-KR" sz="1400" dirty="0" smtClean="0"/>
-                        <a:t>, E</a:t>
-                      </a:r>
-                      <a:r>
-                        <a:rPr lang="en-US" altLang="ko-KR" sz="1400" dirty="0" smtClean="0"/>
-                        <a:t>:</a:t>
+                        <a:t>, E:</a:t>
                       </a:r>
                       <a:r>
                         <a:rPr lang="ko-KR" altLang="en-US" sz="1400" dirty="0" err="1" smtClean="0"/>
